--- a/Tutorial-Guide.pptx
+++ b/Tutorial-Guide.pptx
@@ -119,6 +119,11 @@
       </a:defRPr>
     </a:lvl9pPr>
   </p:defaultTextStyle>
+  <p:extLst>
+    <p:ext uri="{EFAFB233-063F-42B5-8137-9DF3F51BA10A}">
+      <p15:sldGuideLst xmlns:p15="http://schemas.microsoft.com/office/powerpoint/2012/main"/>
+    </p:ext>
+  </p:extLst>
 </p:presentation>
 </file>
 
@@ -271,7 +276,7 @@
           <a:p>
             <a:fld id="{8156D082-7D94-4B05-85FD-C674D47F4663}" type="datetimeFigureOut">
               <a:rPr lang="es-CO" smtClean="0"/>
-              <a:t>13/04/2023</a:t>
+              <a:t>14/04/2023</a:t>
             </a:fld>
             <a:endParaRPr lang="es-CO"/>
           </a:p>
@@ -471,7 +476,7 @@
           <a:p>
             <a:fld id="{8156D082-7D94-4B05-85FD-C674D47F4663}" type="datetimeFigureOut">
               <a:rPr lang="es-CO" smtClean="0"/>
-              <a:t>13/04/2023</a:t>
+              <a:t>14/04/2023</a:t>
             </a:fld>
             <a:endParaRPr lang="es-CO"/>
           </a:p>
@@ -681,7 +686,7 @@
           <a:p>
             <a:fld id="{8156D082-7D94-4B05-85FD-C674D47F4663}" type="datetimeFigureOut">
               <a:rPr lang="es-CO" smtClean="0"/>
-              <a:t>13/04/2023</a:t>
+              <a:t>14/04/2023</a:t>
             </a:fld>
             <a:endParaRPr lang="es-CO"/>
           </a:p>
@@ -881,7 +886,7 @@
           <a:p>
             <a:fld id="{8156D082-7D94-4B05-85FD-C674D47F4663}" type="datetimeFigureOut">
               <a:rPr lang="es-CO" smtClean="0"/>
-              <a:t>13/04/2023</a:t>
+              <a:t>14/04/2023</a:t>
             </a:fld>
             <a:endParaRPr lang="es-CO"/>
           </a:p>
@@ -1157,7 +1162,7 @@
           <a:p>
             <a:fld id="{8156D082-7D94-4B05-85FD-C674D47F4663}" type="datetimeFigureOut">
               <a:rPr lang="es-CO" smtClean="0"/>
-              <a:t>13/04/2023</a:t>
+              <a:t>14/04/2023</a:t>
             </a:fld>
             <a:endParaRPr lang="es-CO"/>
           </a:p>
@@ -1425,7 +1430,7 @@
           <a:p>
             <a:fld id="{8156D082-7D94-4B05-85FD-C674D47F4663}" type="datetimeFigureOut">
               <a:rPr lang="es-CO" smtClean="0"/>
-              <a:t>13/04/2023</a:t>
+              <a:t>14/04/2023</a:t>
             </a:fld>
             <a:endParaRPr lang="es-CO"/>
           </a:p>
@@ -1840,7 +1845,7 @@
           <a:p>
             <a:fld id="{8156D082-7D94-4B05-85FD-C674D47F4663}" type="datetimeFigureOut">
               <a:rPr lang="es-CO" smtClean="0"/>
-              <a:t>13/04/2023</a:t>
+              <a:t>14/04/2023</a:t>
             </a:fld>
             <a:endParaRPr lang="es-CO"/>
           </a:p>
@@ -1982,7 +1987,7 @@
           <a:p>
             <a:fld id="{8156D082-7D94-4B05-85FD-C674D47F4663}" type="datetimeFigureOut">
               <a:rPr lang="es-CO" smtClean="0"/>
-              <a:t>13/04/2023</a:t>
+              <a:t>14/04/2023</a:t>
             </a:fld>
             <a:endParaRPr lang="es-CO"/>
           </a:p>
@@ -2095,7 +2100,7 @@
           <a:p>
             <a:fld id="{8156D082-7D94-4B05-85FD-C674D47F4663}" type="datetimeFigureOut">
               <a:rPr lang="es-CO" smtClean="0"/>
-              <a:t>13/04/2023</a:t>
+              <a:t>14/04/2023</a:t>
             </a:fld>
             <a:endParaRPr lang="es-CO"/>
           </a:p>
@@ -2408,7 +2413,7 @@
           <a:p>
             <a:fld id="{8156D082-7D94-4B05-85FD-C674D47F4663}" type="datetimeFigureOut">
               <a:rPr lang="es-CO" smtClean="0"/>
-              <a:t>13/04/2023</a:t>
+              <a:t>14/04/2023</a:t>
             </a:fld>
             <a:endParaRPr lang="es-CO"/>
           </a:p>
@@ -2697,7 +2702,7 @@
           <a:p>
             <a:fld id="{8156D082-7D94-4B05-85FD-C674D47F4663}" type="datetimeFigureOut">
               <a:rPr lang="es-CO" smtClean="0"/>
-              <a:t>13/04/2023</a:t>
+              <a:t>14/04/2023</a:t>
             </a:fld>
             <a:endParaRPr lang="es-CO"/>
           </a:p>
@@ -2940,7 +2945,7 @@
           <a:p>
             <a:fld id="{8156D082-7D94-4B05-85FD-C674D47F4663}" type="datetimeFigureOut">
               <a:rPr lang="es-CO" smtClean="0"/>
-              <a:t>13/04/2023</a:t>
+              <a:t>14/04/2023</a:t>
             </a:fld>
             <a:endParaRPr lang="es-CO"/>
           </a:p>
@@ -3924,7 +3929,7 @@
             </a:r>
             <a:r>
               <a:rPr lang="es-419" b="1" dirty="0"/>
-              <a:t> cases [2/]</a:t>
+              <a:t> cases [6/7]</a:t>
             </a:r>
             <a:endParaRPr lang="es-CO" dirty="0"/>
           </a:p>
@@ -4151,7 +4156,7 @@
             </a:r>
             <a:r>
               <a:rPr lang="es-419" b="1" dirty="0"/>
-              <a:t> cases [2/]</a:t>
+              <a:t> cases [7/7]</a:t>
             </a:r>
             <a:endParaRPr lang="es-CO" dirty="0"/>
           </a:p>
@@ -4295,7 +4300,7 @@
         </p:nvSpPr>
         <p:spPr>
           <a:xfrm rot="16200000">
-            <a:off x="8042979" y="3575729"/>
+            <a:off x="8042979" y="3828947"/>
             <a:ext cx="290286" cy="3431065"/>
           </a:xfrm>
           <a:prstGeom prst="leftBrace">
@@ -6206,7 +6211,7 @@
             </a:r>
             <a:r>
               <a:rPr lang="es-419" b="1" dirty="0"/>
-              <a:t> cases [1/]</a:t>
+              <a:t> cases [1/7]</a:t>
             </a:r>
             <a:endParaRPr lang="es-CO" b="1" dirty="0"/>
           </a:p>
@@ -6386,7 +6391,7 @@
             </a:r>
             <a:r>
               <a:rPr lang="es-419" b="1" dirty="0"/>
-              <a:t> cases [2/]</a:t>
+              <a:t> cases [2/7]</a:t>
             </a:r>
             <a:endParaRPr lang="es-CO" dirty="0"/>
           </a:p>
@@ -6606,7 +6611,7 @@
             </a:r>
             <a:r>
               <a:rPr lang="es-419" b="1" dirty="0"/>
-              <a:t> cases [2/]</a:t>
+              <a:t> cases [3/7]</a:t>
             </a:r>
             <a:endParaRPr lang="es-CO" dirty="0"/>
           </a:p>
@@ -6897,7 +6902,7 @@
             </a:r>
             <a:r>
               <a:rPr lang="es-419" b="1" dirty="0"/>
-              <a:t> cases [2/]</a:t>
+              <a:t> cases [4/7]</a:t>
             </a:r>
             <a:endParaRPr lang="es-CO" dirty="0"/>
           </a:p>
@@ -7056,6 +7061,20 @@
           <a:prstGeom prst="rect">
             <a:avLst/>
           </a:prstGeom>
+          <a:ln w="38100" cap="sq">
+            <a:solidFill>
+              <a:srgbClr val="000000"/>
+            </a:solidFill>
+            <a:prstDash val="solid"/>
+            <a:miter lim="800000"/>
+          </a:ln>
+          <a:effectLst>
+            <a:outerShdw blurRad="50800" dist="38100" dir="2700000" algn="tl" rotWithShape="0">
+              <a:srgbClr val="000000">
+                <a:alpha val="43000"/>
+              </a:srgbClr>
+            </a:outerShdw>
+          </a:effectLst>
         </p:spPr>
       </p:pic>
       <p:cxnSp>
@@ -7797,7 +7816,7 @@
             </a:r>
             <a:r>
               <a:rPr lang="es-419" b="1" dirty="0"/>
-              <a:t> cases [2/]</a:t>
+              <a:t> cases [5/7]</a:t>
             </a:r>
             <a:endParaRPr lang="es-CO" dirty="0"/>
           </a:p>
